--- a/AngularJS/lesson_18/Presentation/directives_2.pptx
+++ b/AngularJS/lesson_18/Presentation/directives_2.pptx
@@ -2400,7 +2400,7 @@
               <a:rPr lang="ru-RU" sz="1800" dirty="0">
                 <a:latin typeface="Calibri" pitchFamily="34" charset="0"/>
               </a:rPr>
-              <a:t>Другая директива инжектируется в контроллер, как четвертый аргумент. </a:t>
+              <a:t>Директива может инжектироваться в контроллер, как четвертый аргумент. </a:t>
             </a:r>
             <a:endParaRPr lang="en-US" sz="1800" dirty="0">
               <a:latin typeface="Calibri" pitchFamily="34" charset="0"/>
@@ -2442,7 +2442,7 @@
               <a:rPr lang="ru-RU" sz="1800" dirty="0">
                 <a:latin typeface="Calibri" pitchFamily="34" charset="0"/>
               </a:rPr>
-              <a:t>? - попытка найти нужный контроллер, или возвращаем </a:t>
+              <a:t>? - попытка найти нужный контроллер, или возвращает </a:t>
             </a:r>
             <a:r>
               <a:rPr lang="ru-RU" sz="1800" dirty="0" err="1">
@@ -2880,29 +2880,35 @@
           <a:lstStyle/>
           <a:p>
             <a:r>
+              <a:rPr lang="en-US" sz="1800" dirty="0">
+                <a:latin typeface="Calibri" pitchFamily="34" charset="0"/>
+              </a:rPr>
+              <a:t>Directive Definition Object </a:t>
+            </a:r>
+            <a:r>
               <a:rPr lang="ru-RU" sz="1800" dirty="0">
                 <a:latin typeface="Calibri" pitchFamily="34" charset="0"/>
               </a:rPr>
-              <a:t>Управляется свойством </a:t>
+              <a:t>у</a:t>
+            </a:r>
+            <a:r>
+              <a:rPr lang="ru-RU" sz="1800" dirty="0">
+                <a:latin typeface="Calibri" pitchFamily="34" charset="0"/>
+              </a:rPr>
+              <a:t>правляется свойством </a:t>
             </a:r>
             <a:r>
               <a:rPr lang="en-US" sz="1800" b="1" dirty="0" err="1">
                 <a:latin typeface="Calibri" pitchFamily="34" charset="0"/>
               </a:rPr>
               <a:t>transclude</a:t>
-            </a:r>
-            <a:r>
-              <a:rPr lang="en-US" sz="1800" dirty="0">
-                <a:latin typeface="Calibri" pitchFamily="34" charset="0"/>
-              </a:rPr>
-              <a:t> Directive Definition Object </a:t>
             </a:r>
             <a:endParaRPr lang="uk-UA" sz="1800" dirty="0">
               <a:latin typeface="Calibri" pitchFamily="34" charset="0"/>
             </a:endParaRPr>
           </a:p>
           <a:p>
-            <a:endParaRPr lang="en-US" sz="1800" dirty="0">
+            <a:endParaRPr lang="ru-RU" sz="1800" dirty="0">
               <a:latin typeface="Calibri" pitchFamily="34" charset="0"/>
             </a:endParaRPr>
           </a:p>
